--- a/Presentation-516.pptx
+++ b/Presentation-516.pptx
@@ -3034,7 +3034,7 @@
       </p:sp>
       <p:sp>
         <p:nvSpPr>
-          <p:cNvPr id="120" name="Yujing Ke, Ziming Sheng, Lai Wei"/>
+          <p:cNvPr id="120" name="Yujing Ke, Ziming Sheng, Lai Wei…"/>
           <p:cNvSpPr txBox="1"/>
           <p:nvPr>
             <p:ph type="subTitle" sz="quarter" idx="1"/>
@@ -3049,9 +3049,19 @@
           <a:bodyPr/>
           <a:lstStyle/>
           <a:p>
-            <a:pPr/>
-            <a:r>
-              <a:t>Yujing Ke, Ziming Sheng, Lai Wei </a:t>
+            <a:pPr defTabSz="537463">
+              <a:defRPr sz="3404"/>
+            </a:pPr>
+            <a:r>
+              <a:t>Yujing Ke, Ziming Sheng, Lai Wei</a:t>
+            </a:r>
+          </a:p>
+          <a:p>
+            <a:pPr defTabSz="537463">
+              <a:defRPr sz="3404"/>
+            </a:pPr>
+            <a:r>
+              <a:t>CS 516 Final Project </a:t>
             </a:r>
           </a:p>
         </p:txBody>
@@ -3137,14 +3147,14 @@
       </p:pic>
       <p:sp>
         <p:nvSpPr>
-          <p:cNvPr id="124" name="We use the wordnet WUP similarity score and JACCORD similarity score to map the words to node type and DB attributes."/>
+          <p:cNvPr id="124" name="We use the WordNet WUP similarity score and Jaccord similarity score to map the words to node type and DB attributes."/>
           <p:cNvSpPr txBox="1"/>
           <p:nvPr/>
         </p:nvSpPr>
         <p:spPr>
           <a:xfrm>
             <a:off x="288747" y="7776820"/>
-            <a:ext cx="12343181" cy="829360"/>
+            <a:ext cx="12077396" cy="829360"/>
           </a:xfrm>
           <a:prstGeom prst="rect">
             <a:avLst/>
@@ -3168,7 +3178,7 @@
           <a:p>
             <a:pPr/>
             <a:r>
-              <a:t>We use the wordnet WUP similarity score and JACCORD similarity score to map the words to node type and DB attributes.</a:t>
+              <a:t>We use the WordNet WUP similarity score and Jaccord similarity score to map the words to node type and DB attributes.</a:t>
             </a:r>
           </a:p>
         </p:txBody>
@@ -3358,7 +3368,7 @@
               <a:defRPr b="0" sz="3600"/>
             </a:pPr>
             <a:r>
-              <a:t>            SN            NN                   NN         ON         NN</a:t>
+              <a:t>            SN            NN                   NN         ON         VN</a:t>
             </a:r>
           </a:p>
         </p:txBody>
